--- a/Capstone Project_Hotel Booking Analysis_EDA analysis_Presentation.pptx
+++ b/Capstone Project_Hotel Booking Analysis_EDA analysis_Presentation.pptx
@@ -11,9 +11,9 @@
     <p:sldId id="256" r:id="rId2"/>
     <p:sldId id="259" r:id="rId3"/>
     <p:sldId id="268" r:id="rId4"/>
-    <p:sldId id="276" r:id="rId5"/>
-    <p:sldId id="269" r:id="rId6"/>
-    <p:sldId id="266" r:id="rId7"/>
+    <p:sldId id="266" r:id="rId5"/>
+    <p:sldId id="276" r:id="rId6"/>
+    <p:sldId id="269" r:id="rId7"/>
     <p:sldId id="277" r:id="rId8"/>
     <p:sldId id="271" r:id="rId9"/>
     <p:sldId id="272" r:id="rId10"/>
@@ -15385,8 +15385,8 @@
         </p:nvSpPr>
         <p:spPr>
           <a:xfrm>
-            <a:off x="315750" y="108642"/>
-            <a:ext cx="8081490" cy="4890078"/>
+            <a:off x="0" y="0"/>
+            <a:ext cx="9144000" cy="5143500"/>
           </a:xfrm>
           <a:prstGeom prst="rect">
             <a:avLst/>
@@ -15515,6 +15515,20 @@
                 <a:sym typeface="Montserrat"/>
               </a:rPr>
             </a:br>
+            <a:r>
+              <a:rPr lang="en-GB" sz="3600" b="1" dirty="0">
+                <a:solidFill>
+                  <a:schemeClr val="bg2">
+                    <a:lumMod val="25000"/>
+                  </a:schemeClr>
+                </a:solidFill>
+                <a:latin typeface="Montserrat"/>
+                <a:ea typeface="Montserrat"/>
+                <a:cs typeface="Montserrat"/>
+                <a:sym typeface="Montserrat"/>
+              </a:rPr>
+              <a:t>By :</a:t>
+            </a:r>
             <a:br>
               <a:rPr lang="en-GB" sz="3600" b="1" dirty="0">
                 <a:solidFill>
@@ -15538,7 +15552,30 @@
                 <a:cs typeface="Montserrat"/>
                 <a:sym typeface="Montserrat"/>
               </a:rPr>
-              <a:t>Debashish Das                                                                                                                                                           Lucky Jain                                                                                                                     Vivek Katolkar</a:t>
+              <a:t>Debashish Das                                                                                                                                   Lucky Jain  </a:t>
+            </a:r>
+            <a:br>
+              <a:rPr lang="en-GB" sz="1600" b="1" dirty="0">
+                <a:solidFill>
+                  <a:schemeClr val="lt1"/>
+                </a:solidFill>
+                <a:latin typeface="Montserrat"/>
+                <a:ea typeface="Montserrat"/>
+                <a:cs typeface="Montserrat"/>
+                <a:sym typeface="Montserrat"/>
+              </a:rPr>
+            </a:br>
+            <a:r>
+              <a:rPr lang="en-GB" sz="1600" b="1" dirty="0">
+                <a:solidFill>
+                  <a:schemeClr val="lt1"/>
+                </a:solidFill>
+                <a:latin typeface="Montserrat"/>
+                <a:ea typeface="Montserrat"/>
+                <a:cs typeface="Montserrat"/>
+                <a:sym typeface="Montserrat"/>
+              </a:rPr>
+              <a:t> Vivek Katolkar</a:t>
             </a:r>
             <a:br>
               <a:rPr lang="en-GB" sz="1600" b="1" dirty="0">
@@ -18739,6 +18776,305 @@
             <p:ph type="title"/>
           </p:nvPr>
         </p:nvSpPr>
+        <p:spPr>
+          <a:xfrm>
+            <a:off x="311700" y="71645"/>
+            <a:ext cx="8260800" cy="446515"/>
+          </a:xfrm>
+        </p:spPr>
+        <p:txBody>
+          <a:bodyPr/>
+          <a:lstStyle/>
+          <a:p>
+            <a:r>
+              <a:rPr lang="en-US" sz="2400" dirty="0">
+                <a:solidFill>
+                  <a:schemeClr val="tx1">
+                    <a:lumMod val="60000"/>
+                    <a:lumOff val="40000"/>
+                  </a:schemeClr>
+                </a:solidFill>
+              </a:rPr>
+              <a:t>Questions which we are going to ask our Data</a:t>
+            </a:r>
+            <a:endParaRPr lang="en-US" sz="2400" dirty="0"/>
+          </a:p>
+        </p:txBody>
+      </p:sp>
+      <p:sp>
+        <p:nvSpPr>
+          <p:cNvPr id="6" name="TextBox 5">
+            <a:extLst>
+              <a:ext uri="{FF2B5EF4-FFF2-40B4-BE49-F238E27FC236}">
+                <a16:creationId xmlns:a16="http://schemas.microsoft.com/office/drawing/2014/main" id="{27297B58-A798-1AB6-2FB0-5F0A6000B7FA}"/>
+              </a:ext>
+            </a:extLst>
+          </p:cNvPr>
+          <p:cNvSpPr txBox="1"/>
+          <p:nvPr/>
+        </p:nvSpPr>
+        <p:spPr>
+          <a:xfrm>
+            <a:off x="311700" y="518160"/>
+            <a:ext cx="8580120" cy="4401205"/>
+          </a:xfrm>
+          <a:prstGeom prst="rect">
+            <a:avLst/>
+          </a:prstGeom>
+          <a:noFill/>
+        </p:spPr>
+        <p:txBody>
+          <a:bodyPr wrap="square" rtlCol="0">
+            <a:spAutoFit/>
+          </a:bodyPr>
+          <a:lstStyle/>
+          <a:p>
+            <a:pPr marL="285750" indent="-285750">
+              <a:lnSpc>
+                <a:spcPct val="150000"/>
+              </a:lnSpc>
+              <a:buFont typeface="Arial" panose="020B0604020202020204" pitchFamily="34" charset="0"/>
+              <a:buChar char="•"/>
+            </a:pPr>
+            <a:r>
+              <a:rPr lang="en-US" sz="1600" dirty="0">
+                <a:solidFill>
+                  <a:schemeClr val="accent2"/>
+                </a:solidFill>
+              </a:rPr>
+              <a:t> How many confirmed bookings are there in a month ?</a:t>
+            </a:r>
+          </a:p>
+          <a:p>
+            <a:pPr marL="285750" indent="-285750">
+              <a:lnSpc>
+                <a:spcPct val="150000"/>
+              </a:lnSpc>
+              <a:buFont typeface="Arial" panose="020B0604020202020204" pitchFamily="34" charset="0"/>
+              <a:buChar char="•"/>
+            </a:pPr>
+            <a:r>
+              <a:rPr lang="en-US" sz="1600" dirty="0">
+                <a:solidFill>
+                  <a:schemeClr val="accent2"/>
+                </a:solidFill>
+              </a:rPr>
+              <a:t>Which month get most visitors?</a:t>
+            </a:r>
+          </a:p>
+          <a:p>
+            <a:pPr marL="285750" indent="-285750">
+              <a:lnSpc>
+                <a:spcPct val="150000"/>
+              </a:lnSpc>
+              <a:buFont typeface="Arial" panose="020B0604020202020204" pitchFamily="34" charset="0"/>
+              <a:buChar char="•"/>
+            </a:pPr>
+            <a:r>
+              <a:rPr lang="en-US" sz="1600" b="0" i="0" dirty="0">
+                <a:solidFill>
+                  <a:schemeClr val="accent2"/>
+                </a:solidFill>
+                <a:effectLst/>
+                <a:latin typeface="Roboto" panose="02000000000000000000" pitchFamily="2" charset="0"/>
+              </a:rPr>
+              <a:t>Which type of hotels are preferred by adults.</a:t>
+            </a:r>
+            <a:endParaRPr lang="en-US" sz="1600" dirty="0">
+              <a:solidFill>
+                <a:schemeClr val="accent2"/>
+              </a:solidFill>
+            </a:endParaRPr>
+          </a:p>
+          <a:p>
+            <a:pPr marL="285750" indent="-285750">
+              <a:lnSpc>
+                <a:spcPct val="150000"/>
+              </a:lnSpc>
+              <a:buFont typeface="Arial" panose="020B0604020202020204" pitchFamily="34" charset="0"/>
+              <a:buChar char="•"/>
+            </a:pPr>
+            <a:r>
+              <a:rPr lang="en-US" sz="1600" dirty="0">
+                <a:solidFill>
+                  <a:schemeClr val="accent2"/>
+                </a:solidFill>
+              </a:rPr>
+              <a:t>Which month are most expensive hotels?</a:t>
+            </a:r>
+          </a:p>
+          <a:p>
+            <a:pPr marL="285750" indent="-285750">
+              <a:lnSpc>
+                <a:spcPct val="150000"/>
+              </a:lnSpc>
+              <a:buFont typeface="Arial" panose="020B0604020202020204" pitchFamily="34" charset="0"/>
+              <a:buChar char="•"/>
+            </a:pPr>
+            <a:r>
+              <a:rPr lang="en-US" sz="1600" dirty="0">
+                <a:solidFill>
+                  <a:schemeClr val="accent2"/>
+                </a:solidFill>
+              </a:rPr>
+              <a:t>Which type of hotel most booking percentage?</a:t>
+            </a:r>
+          </a:p>
+          <a:p>
+            <a:pPr marL="285750" indent="-285750">
+              <a:lnSpc>
+                <a:spcPct val="150000"/>
+              </a:lnSpc>
+              <a:buFont typeface="Arial" panose="020B0604020202020204" pitchFamily="34" charset="0"/>
+              <a:buChar char="•"/>
+            </a:pPr>
+            <a:r>
+              <a:rPr lang="en-US" sz="1600" dirty="0">
+                <a:solidFill>
+                  <a:schemeClr val="accent2"/>
+                </a:solidFill>
+              </a:rPr>
+              <a:t>Which type of most prefer meal?</a:t>
+            </a:r>
+          </a:p>
+          <a:p>
+            <a:pPr marL="285750" indent="-285750">
+              <a:lnSpc>
+                <a:spcPct val="150000"/>
+              </a:lnSpc>
+              <a:buFont typeface="Arial" panose="020B0604020202020204" pitchFamily="34" charset="0"/>
+              <a:buChar char="•"/>
+            </a:pPr>
+            <a:r>
+              <a:rPr lang="en-US" sz="1600" b="0" i="0" dirty="0">
+                <a:solidFill>
+                  <a:schemeClr val="accent2"/>
+                </a:solidFill>
+                <a:effectLst/>
+                <a:latin typeface="Roboto" panose="02000000000000000000" pitchFamily="2" charset="0"/>
+              </a:rPr>
+              <a:t>Which customer type are having most booking ?</a:t>
+            </a:r>
+          </a:p>
+          <a:p>
+            <a:pPr marL="285750" indent="-285750">
+              <a:lnSpc>
+                <a:spcPct val="150000"/>
+              </a:lnSpc>
+              <a:buFont typeface="Arial" panose="020B0604020202020204" pitchFamily="34" charset="0"/>
+              <a:buChar char="•"/>
+            </a:pPr>
+            <a:r>
+              <a:rPr lang="en-US" sz="1600" dirty="0">
+                <a:solidFill>
+                  <a:schemeClr val="accent2"/>
+                </a:solidFill>
+              </a:rPr>
+              <a:t>Which hotel type most booking in weekend night and cancelled?</a:t>
+            </a:r>
+          </a:p>
+          <a:p>
+            <a:pPr marL="285750" indent="-285750">
+              <a:lnSpc>
+                <a:spcPct val="150000"/>
+              </a:lnSpc>
+              <a:buFont typeface="Arial" panose="020B0604020202020204" pitchFamily="34" charset="0"/>
+              <a:buChar char="•"/>
+            </a:pPr>
+            <a:r>
+              <a:rPr lang="en-US" sz="1600" b="0" i="0" dirty="0">
+                <a:solidFill>
+                  <a:schemeClr val="accent2"/>
+                </a:solidFill>
+                <a:effectLst/>
+                <a:latin typeface="Roboto" panose="02000000000000000000" pitchFamily="2" charset="0"/>
+              </a:rPr>
+              <a:t>How many family member per reservation ?</a:t>
+            </a:r>
+          </a:p>
+          <a:p>
+            <a:pPr marL="285750" indent="-285750">
+              <a:lnSpc>
+                <a:spcPct val="150000"/>
+              </a:lnSpc>
+              <a:buFont typeface="Arial" panose="020B0604020202020204" pitchFamily="34" charset="0"/>
+              <a:buChar char="•"/>
+            </a:pPr>
+            <a:r>
+              <a:rPr lang="en-US" sz="1600" b="0" i="0" dirty="0">
+                <a:solidFill>
+                  <a:schemeClr val="accent2"/>
+                </a:solidFill>
+                <a:effectLst/>
+                <a:latin typeface="Roboto" panose="02000000000000000000" pitchFamily="2" charset="0"/>
+              </a:rPr>
+              <a:t>How many customer have booked and then cancelled?</a:t>
+            </a:r>
+          </a:p>
+          <a:p>
+            <a:pPr marL="285750" indent="-285750">
+              <a:lnSpc>
+                <a:spcPct val="150000"/>
+              </a:lnSpc>
+              <a:buFont typeface="Arial" panose="020B0604020202020204" pitchFamily="34" charset="0"/>
+              <a:buChar char="•"/>
+            </a:pPr>
+            <a:r>
+              <a:rPr lang="en-US" sz="1600" b="0" i="0" dirty="0">
+                <a:solidFill>
+                  <a:schemeClr val="accent2"/>
+                </a:solidFill>
+                <a:effectLst/>
+                <a:latin typeface="Roboto" panose="02000000000000000000" pitchFamily="2" charset="0"/>
+              </a:rPr>
+              <a:t>Which months are having most expensive hotels?</a:t>
+            </a:r>
+            <a:endParaRPr lang="en-IN" sz="1600" dirty="0">
+              <a:solidFill>
+                <a:schemeClr val="accent2"/>
+              </a:solidFill>
+            </a:endParaRPr>
+          </a:p>
+          <a:p>
+            <a:endParaRPr lang="en-IN" sz="1600" dirty="0"/>
+          </a:p>
+        </p:txBody>
+      </p:sp>
+    </p:spTree>
+  </p:cSld>
+  <p:clrMapOvr>
+    <a:masterClrMapping/>
+  </p:clrMapOvr>
+</p:sld>
+</file>
+
+<file path=ppt/slides/slide5.xml><?xml version="1.0" encoding="utf-8"?>
+<p:sld xmlns:a="http://schemas.openxmlformats.org/drawingml/2006/main" xmlns:r="http://schemas.openxmlformats.org/officeDocument/2006/relationships" xmlns:p="http://schemas.openxmlformats.org/presentationml/2006/main">
+  <p:cSld>
+    <p:spTree>
+      <p:nvGrpSpPr>
+        <p:cNvPr id="1" name=""/>
+        <p:cNvGrpSpPr/>
+        <p:nvPr/>
+      </p:nvGrpSpPr>
+      <p:grpSpPr>
+        <a:xfrm>
+          <a:off x="0" y="0"/>
+          <a:ext cx="0" cy="0"/>
+          <a:chOff x="0" y="0"/>
+          <a:chExt cx="0" cy="0"/>
+        </a:xfrm>
+      </p:grpSpPr>
+      <p:sp>
+        <p:nvSpPr>
+          <p:cNvPr id="2" name="Title 1"/>
+          <p:cNvSpPr>
+            <a:spLocks noGrp="1"/>
+          </p:cNvSpPr>
+          <p:nvPr>
+            <p:ph type="title"/>
+          </p:nvPr>
+        </p:nvSpPr>
         <p:spPr/>
         <p:txBody>
           <a:bodyPr/>
@@ -18781,7 +19117,7 @@
 </p:sld>
 </file>
 
-<file path=ppt/slides/slide5.xml><?xml version="1.0" encoding="utf-8"?>
+<file path=ppt/slides/slide6.xml><?xml version="1.0" encoding="utf-8"?>
 <p:sld xmlns:a="http://schemas.openxmlformats.org/drawingml/2006/main" xmlns:r="http://schemas.openxmlformats.org/officeDocument/2006/relationships" xmlns:p="http://schemas.openxmlformats.org/presentationml/2006/main">
   <p:cSld>
     <p:spTree>
@@ -18933,47 +19269,7 @@
                   </a:schemeClr>
                 </a:solidFill>
               </a:rPr>
-              <a:t>3) Convert columns to appropriate </a:t>
-            </a:r>
-            <a:r>
-              <a:rPr lang="en-US" sz="1600" dirty="0" err="1">
-                <a:solidFill>
-                  <a:schemeClr val="bg2">
-                    <a:lumMod val="10000"/>
-                  </a:schemeClr>
-                </a:solidFill>
-              </a:rPr>
-              <a:t>datat</a:t>
-            </a:r>
-            <a:r>
-              <a:rPr lang="en-US" sz="1600" dirty="0">
-                <a:solidFill>
-                  <a:schemeClr val="bg2">
-                    <a:lumMod val="10000"/>
-                  </a:schemeClr>
-                </a:solidFill>
-              </a:rPr>
-              <a:t> </a:t>
-            </a:r>
-            <a:r>
-              <a:rPr lang="en-US" sz="1600" dirty="0" err="1">
-                <a:solidFill>
-                  <a:schemeClr val="bg2">
-                    <a:lumMod val="10000"/>
-                  </a:schemeClr>
-                </a:solidFill>
-              </a:rPr>
-              <a:t>ypes</a:t>
-            </a:r>
-            <a:r>
-              <a:rPr lang="en-US" sz="1600" dirty="0">
-                <a:solidFill>
-                  <a:schemeClr val="bg2">
-                    <a:lumMod val="10000"/>
-                  </a:schemeClr>
-                </a:solidFill>
-              </a:rPr>
-              <a:t>.</a:t>
+              <a:t>3) Convert columns to appropriate data types.</a:t>
             </a:r>
           </a:p>
           <a:p>
@@ -19004,305 +19300,6 @@
                 </a:schemeClr>
               </a:solidFill>
             </a:endParaRPr>
-          </a:p>
-        </p:txBody>
-      </p:sp>
-    </p:spTree>
-  </p:cSld>
-  <p:clrMapOvr>
-    <a:masterClrMapping/>
-  </p:clrMapOvr>
-</p:sld>
-</file>
-
-<file path=ppt/slides/slide6.xml><?xml version="1.0" encoding="utf-8"?>
-<p:sld xmlns:a="http://schemas.openxmlformats.org/drawingml/2006/main" xmlns:r="http://schemas.openxmlformats.org/officeDocument/2006/relationships" xmlns:p="http://schemas.openxmlformats.org/presentationml/2006/main">
-  <p:cSld>
-    <p:spTree>
-      <p:nvGrpSpPr>
-        <p:cNvPr id="1" name=""/>
-        <p:cNvGrpSpPr/>
-        <p:nvPr/>
-      </p:nvGrpSpPr>
-      <p:grpSpPr>
-        <a:xfrm>
-          <a:off x="0" y="0"/>
-          <a:ext cx="0" cy="0"/>
-          <a:chOff x="0" y="0"/>
-          <a:chExt cx="0" cy="0"/>
-        </a:xfrm>
-      </p:grpSpPr>
-      <p:sp>
-        <p:nvSpPr>
-          <p:cNvPr id="2" name="Title 1"/>
-          <p:cNvSpPr>
-            <a:spLocks noGrp="1"/>
-          </p:cNvSpPr>
-          <p:nvPr>
-            <p:ph type="title"/>
-          </p:nvPr>
-        </p:nvSpPr>
-        <p:spPr>
-          <a:xfrm>
-            <a:off x="311700" y="71645"/>
-            <a:ext cx="8260800" cy="446515"/>
-          </a:xfrm>
-        </p:spPr>
-        <p:txBody>
-          <a:bodyPr/>
-          <a:lstStyle/>
-          <a:p>
-            <a:r>
-              <a:rPr lang="en-US" sz="2400" dirty="0">
-                <a:solidFill>
-                  <a:schemeClr val="tx1">
-                    <a:lumMod val="60000"/>
-                    <a:lumOff val="40000"/>
-                  </a:schemeClr>
-                </a:solidFill>
-              </a:rPr>
-              <a:t>Questions which we are going to ask our Data</a:t>
-            </a:r>
-            <a:endParaRPr lang="en-US" sz="2400" dirty="0"/>
-          </a:p>
-        </p:txBody>
-      </p:sp>
-      <p:sp>
-        <p:nvSpPr>
-          <p:cNvPr id="6" name="TextBox 5">
-            <a:extLst>
-              <a:ext uri="{FF2B5EF4-FFF2-40B4-BE49-F238E27FC236}">
-                <a16:creationId xmlns:a16="http://schemas.microsoft.com/office/drawing/2014/main" id="{27297B58-A798-1AB6-2FB0-5F0A6000B7FA}"/>
-              </a:ext>
-            </a:extLst>
-          </p:cNvPr>
-          <p:cNvSpPr txBox="1"/>
-          <p:nvPr/>
-        </p:nvSpPr>
-        <p:spPr>
-          <a:xfrm>
-            <a:off x="311700" y="518160"/>
-            <a:ext cx="8580120" cy="4401205"/>
-          </a:xfrm>
-          <a:prstGeom prst="rect">
-            <a:avLst/>
-          </a:prstGeom>
-          <a:noFill/>
-        </p:spPr>
-        <p:txBody>
-          <a:bodyPr wrap="square" rtlCol="0">
-            <a:spAutoFit/>
-          </a:bodyPr>
-          <a:lstStyle/>
-          <a:p>
-            <a:pPr marL="285750" indent="-285750">
-              <a:lnSpc>
-                <a:spcPct val="150000"/>
-              </a:lnSpc>
-              <a:buFont typeface="Arial" panose="020B0604020202020204" pitchFamily="34" charset="0"/>
-              <a:buChar char="•"/>
-            </a:pPr>
-            <a:r>
-              <a:rPr lang="en-US" sz="1600" dirty="0">
-                <a:solidFill>
-                  <a:schemeClr val="accent2"/>
-                </a:solidFill>
-              </a:rPr>
-              <a:t>How many confirmed bookings are there in a month ?</a:t>
-            </a:r>
-          </a:p>
-          <a:p>
-            <a:pPr marL="285750" indent="-285750">
-              <a:lnSpc>
-                <a:spcPct val="150000"/>
-              </a:lnSpc>
-              <a:buFont typeface="Arial" panose="020B0604020202020204" pitchFamily="34" charset="0"/>
-              <a:buChar char="•"/>
-            </a:pPr>
-            <a:r>
-              <a:rPr lang="en-US" sz="1600" dirty="0">
-                <a:solidFill>
-                  <a:schemeClr val="accent2"/>
-                </a:solidFill>
-              </a:rPr>
-              <a:t>Which month get most visitors?</a:t>
-            </a:r>
-          </a:p>
-          <a:p>
-            <a:pPr marL="285750" indent="-285750">
-              <a:lnSpc>
-                <a:spcPct val="150000"/>
-              </a:lnSpc>
-              <a:buFont typeface="Arial" panose="020B0604020202020204" pitchFamily="34" charset="0"/>
-              <a:buChar char="•"/>
-            </a:pPr>
-            <a:r>
-              <a:rPr lang="en-US" sz="1600" b="0" i="0" dirty="0">
-                <a:solidFill>
-                  <a:schemeClr val="accent2"/>
-                </a:solidFill>
-                <a:effectLst/>
-                <a:latin typeface="Roboto" panose="02000000000000000000" pitchFamily="2" charset="0"/>
-              </a:rPr>
-              <a:t>Which type of hotels are preferred by adults.</a:t>
-            </a:r>
-            <a:endParaRPr lang="en-US" sz="1600" dirty="0">
-              <a:solidFill>
-                <a:schemeClr val="accent2"/>
-              </a:solidFill>
-            </a:endParaRPr>
-          </a:p>
-          <a:p>
-            <a:pPr marL="285750" indent="-285750">
-              <a:lnSpc>
-                <a:spcPct val="150000"/>
-              </a:lnSpc>
-              <a:buFont typeface="Arial" panose="020B0604020202020204" pitchFamily="34" charset="0"/>
-              <a:buChar char="•"/>
-            </a:pPr>
-            <a:r>
-              <a:rPr lang="en-US" sz="1600" dirty="0">
-                <a:solidFill>
-                  <a:schemeClr val="accent2"/>
-                </a:solidFill>
-              </a:rPr>
-              <a:t>Which month are most expensive hotels?</a:t>
-            </a:r>
-          </a:p>
-          <a:p>
-            <a:pPr marL="285750" indent="-285750">
-              <a:lnSpc>
-                <a:spcPct val="150000"/>
-              </a:lnSpc>
-              <a:buFont typeface="Arial" panose="020B0604020202020204" pitchFamily="34" charset="0"/>
-              <a:buChar char="•"/>
-            </a:pPr>
-            <a:r>
-              <a:rPr lang="en-US" sz="1600" dirty="0">
-                <a:solidFill>
-                  <a:schemeClr val="accent2"/>
-                </a:solidFill>
-              </a:rPr>
-              <a:t>Which type of hotel most booking percentage?</a:t>
-            </a:r>
-          </a:p>
-          <a:p>
-            <a:pPr marL="285750" indent="-285750">
-              <a:lnSpc>
-                <a:spcPct val="150000"/>
-              </a:lnSpc>
-              <a:buFont typeface="Arial" panose="020B0604020202020204" pitchFamily="34" charset="0"/>
-              <a:buChar char="•"/>
-            </a:pPr>
-            <a:r>
-              <a:rPr lang="en-US" sz="1600" dirty="0">
-                <a:solidFill>
-                  <a:schemeClr val="accent2"/>
-                </a:solidFill>
-              </a:rPr>
-              <a:t>Which type of most prefer meal?</a:t>
-            </a:r>
-          </a:p>
-          <a:p>
-            <a:pPr marL="285750" indent="-285750">
-              <a:lnSpc>
-                <a:spcPct val="150000"/>
-              </a:lnSpc>
-              <a:buFont typeface="Arial" panose="020B0604020202020204" pitchFamily="34" charset="0"/>
-              <a:buChar char="•"/>
-            </a:pPr>
-            <a:r>
-              <a:rPr lang="en-US" sz="1600" b="0" i="0" dirty="0">
-                <a:solidFill>
-                  <a:schemeClr val="accent2"/>
-                </a:solidFill>
-                <a:effectLst/>
-                <a:latin typeface="Roboto" panose="02000000000000000000" pitchFamily="2" charset="0"/>
-              </a:rPr>
-              <a:t>Which customer type are having most booking ?</a:t>
-            </a:r>
-          </a:p>
-          <a:p>
-            <a:pPr marL="285750" indent="-285750">
-              <a:lnSpc>
-                <a:spcPct val="150000"/>
-              </a:lnSpc>
-              <a:buFont typeface="Arial" panose="020B0604020202020204" pitchFamily="34" charset="0"/>
-              <a:buChar char="•"/>
-            </a:pPr>
-            <a:r>
-              <a:rPr lang="en-US" sz="1600" dirty="0">
-                <a:solidFill>
-                  <a:schemeClr val="accent2"/>
-                </a:solidFill>
-              </a:rPr>
-              <a:t>Which hotel type most booking in weekend night and cancelled?</a:t>
-            </a:r>
-          </a:p>
-          <a:p>
-            <a:pPr marL="285750" indent="-285750">
-              <a:lnSpc>
-                <a:spcPct val="150000"/>
-              </a:lnSpc>
-              <a:buFont typeface="Arial" panose="020B0604020202020204" pitchFamily="34" charset="0"/>
-              <a:buChar char="•"/>
-            </a:pPr>
-            <a:r>
-              <a:rPr lang="en-US" sz="1600" b="0" i="0" dirty="0">
-                <a:solidFill>
-                  <a:schemeClr val="accent2"/>
-                </a:solidFill>
-                <a:effectLst/>
-                <a:latin typeface="Roboto" panose="02000000000000000000" pitchFamily="2" charset="0"/>
-              </a:rPr>
-              <a:t>How many family member per reservation ?</a:t>
-            </a:r>
-          </a:p>
-          <a:p>
-            <a:pPr marL="285750" indent="-285750">
-              <a:lnSpc>
-                <a:spcPct val="150000"/>
-              </a:lnSpc>
-              <a:buFont typeface="Arial" panose="020B0604020202020204" pitchFamily="34" charset="0"/>
-              <a:buChar char="•"/>
-            </a:pPr>
-            <a:r>
-              <a:rPr lang="en-US" sz="1600" b="0" i="0" dirty="0">
-                <a:solidFill>
-                  <a:schemeClr val="accent2"/>
-                </a:solidFill>
-                <a:effectLst/>
-                <a:latin typeface="Roboto" panose="02000000000000000000" pitchFamily="2" charset="0"/>
-              </a:rPr>
-              <a:t>How many customer have booked and then cancelled?</a:t>
-            </a:r>
-          </a:p>
-          <a:p>
-            <a:pPr marL="285750" indent="-285750">
-              <a:lnSpc>
-                <a:spcPct val="150000"/>
-              </a:lnSpc>
-              <a:buFont typeface="Arial" panose="020B0604020202020204" pitchFamily="34" charset="0"/>
-              <a:buChar char="•"/>
-            </a:pPr>
-            <a:r>
-              <a:rPr lang="en-US" sz="1600" b="0" i="0" dirty="0">
-                <a:solidFill>
-                  <a:schemeClr val="accent2"/>
-                </a:solidFill>
-                <a:effectLst/>
-                <a:latin typeface="Roboto" panose="02000000000000000000" pitchFamily="2" charset="0"/>
-              </a:rPr>
-              <a:t>Which months are having most expensive hotels?</a:t>
-            </a:r>
-            <a:endParaRPr lang="en-IN" sz="1600" dirty="0">
-              <a:solidFill>
-                <a:schemeClr val="accent2"/>
-              </a:solidFill>
-            </a:endParaRPr>
-          </a:p>
-          <a:p>
-            <a:endParaRPr lang="en-IN" sz="1600" dirty="0"/>
           </a:p>
         </p:txBody>
       </p:sp>

--- a/Capstone Project_Hotel Booking Analysis_EDA analysis_Presentation.pptx
+++ b/Capstone Project_Hotel Booking Analysis_EDA analysis_Presentation.pptx
@@ -15436,7 +15436,7 @@
                 <a:cs typeface="Montserrat"/>
                 <a:sym typeface="Montserrat"/>
               </a:rPr>
-              <a:t>           Capstone Project</a:t>
+              <a:t>     Capstone Project</a:t>
             </a:r>
             <a:br>
               <a:rPr lang="en-GB" sz="4200" b="1" dirty="0">
@@ -16110,7 +16110,7 @@
                   <a:schemeClr val="accent2"/>
                 </a:solidFill>
               </a:rPr>
-              <a:t>61.1% of people prefers booking .</a:t>
+              <a:t>61.1% of people prefers  City hotel booking .</a:t>
             </a:r>
           </a:p>
           <a:p>
@@ -16239,6 +16239,15 @@
               <a:buClrTx/>
             </a:pPr>
             <a:r>
+              <a:rPr lang="en-US" dirty="0">
+                <a:solidFill>
+                  <a:srgbClr val="212121"/>
+                </a:solidFill>
+                <a:latin typeface="Roboto" panose="02000000000000000000" pitchFamily="2" charset="0"/>
+              </a:rPr>
+              <a:t>77.8</a:t>
+            </a:r>
+            <a:r>
               <a:rPr lang="en-US" b="0" i="0" dirty="0">
                 <a:solidFill>
                   <a:srgbClr val="212121"/>
@@ -16246,7 +16255,7 @@
                 <a:effectLst/>
                 <a:latin typeface="Roboto" panose="02000000000000000000" pitchFamily="2" charset="0"/>
               </a:rPr>
-              <a:t>77.8% people prefer (BB — Bed &amp; Breakfast) meal</a:t>
+              <a:t>% people prefer (BB — Bed &amp; Breakfast) meal</a:t>
             </a:r>
           </a:p>
           <a:p>
@@ -16260,7 +16269,17 @@
                 </a:solidFill>
                 <a:latin typeface="Roboto" panose="02000000000000000000" pitchFamily="2" charset="0"/>
               </a:rPr>
-              <a:t>10.8% people prefer( SC /undefine )meal</a:t>
+              <a:t>10.77% people prefer </a:t>
+            </a:r>
+            <a:r>
+              <a:rPr lang="en-US" b="0" i="0" dirty="0">
+                <a:solidFill>
+                  <a:srgbClr val="212121"/>
+                </a:solidFill>
+                <a:effectLst/>
+                <a:latin typeface="Roboto" panose="02000000000000000000" pitchFamily="2" charset="0"/>
+              </a:rPr>
+              <a:t>Half board (breakfast and one other meal — usually dinner)</a:t>
             </a:r>
           </a:p>
           <a:p>
@@ -16274,28 +16293,23 @@
                 </a:solidFill>
                 <a:latin typeface="Roboto" panose="02000000000000000000" pitchFamily="2" charset="0"/>
               </a:rPr>
-              <a:t>10.4% people prefer </a:t>
+              <a:t>10.41% people prefer( SC /undefine )meal</a:t>
             </a:r>
-            <a:r>
-              <a:rPr lang="en-US" b="0" i="0" dirty="0">
-                <a:solidFill>
-                  <a:srgbClr val="212121"/>
-                </a:solidFill>
-                <a:effectLst/>
-                <a:latin typeface="Roboto" panose="02000000000000000000" pitchFamily="2" charset="0"/>
-              </a:rPr>
-              <a:t>Half board (breakfast and one other meal — usually dinner)</a:t>
-            </a:r>
+          </a:p>
+          <a:p>
+            <a:pPr>
+              <a:buClrTx/>
+            </a:pPr>
             <a:endParaRPr lang="en-US" dirty="0"/>
           </a:p>
         </p:txBody>
       </p:sp>
       <p:pic>
         <p:nvPicPr>
-          <p:cNvPr id="5122" name="Picture 2">
+          <p:cNvPr id="2052" name="Picture 4">
             <a:extLst>
               <a:ext uri="{FF2B5EF4-FFF2-40B4-BE49-F238E27FC236}">
-                <a16:creationId xmlns:a16="http://schemas.microsoft.com/office/drawing/2014/main" id="{F0AA4EF6-2D55-62BB-4A3A-755ABAADFC3D}"/>
+                <a16:creationId xmlns:a16="http://schemas.microsoft.com/office/drawing/2014/main" id="{9A3C16AC-B1F5-84EC-125A-4E624E566B62}"/>
               </a:ext>
             </a:extLst>
           </p:cNvPr>
@@ -16319,8 +16333,8 @@
         </p:blipFill>
         <p:spPr bwMode="auto">
           <a:xfrm>
-            <a:off x="4572000" y="1082223"/>
-            <a:ext cx="4345725" cy="3534727"/>
+            <a:off x="4572000" y="692200"/>
+            <a:ext cx="3752850" cy="3876675"/>
           </a:xfrm>
           <a:prstGeom prst="rect">
             <a:avLst/>
@@ -17419,30 +17433,119 @@
           <a:bodyPr/>
           <a:lstStyle/>
           <a:p>
+            <a:pPr algn="l"/>
             <a:r>
               <a:rPr lang="en-US" b="0" i="0" dirty="0">
                 <a:solidFill>
-                  <a:schemeClr val="tx1"/>
+                  <a:srgbClr val="FF0000"/>
+                </a:solidFill>
+                <a:effectLst/>
+                <a:latin typeface="Inter"/>
+              </a:rPr>
+              <a:t>How many guests arrived year-wise?</a:t>
+            </a:r>
+          </a:p>
+        </p:txBody>
+      </p:sp>
+      <p:sp>
+        <p:nvSpPr>
+          <p:cNvPr id="4" name="TextBox 3">
+            <a:extLst>
+              <a:ext uri="{FF2B5EF4-FFF2-40B4-BE49-F238E27FC236}">
+                <a16:creationId xmlns:a16="http://schemas.microsoft.com/office/drawing/2014/main" id="{C52C78B6-5346-3CF3-7AF0-01EBFDBA0A2B}"/>
+              </a:ext>
+            </a:extLst>
+          </p:cNvPr>
+          <p:cNvSpPr txBox="1"/>
+          <p:nvPr/>
+        </p:nvSpPr>
+        <p:spPr>
+          <a:xfrm>
+            <a:off x="464820" y="4443860"/>
+            <a:ext cx="6515099" cy="523220"/>
+          </a:xfrm>
+          <a:prstGeom prst="rect">
+            <a:avLst/>
+          </a:prstGeom>
+          <a:noFill/>
+        </p:spPr>
+        <p:txBody>
+          <a:bodyPr wrap="square" rtlCol="0">
+            <a:spAutoFit/>
+          </a:bodyPr>
+          <a:lstStyle/>
+          <a:p>
+            <a:pPr marL="285750" indent="-285750" algn="l">
+              <a:buFont typeface="Wingdings" panose="05000000000000000000" pitchFamily="2" charset="2"/>
+              <a:buChar char="§"/>
+            </a:pPr>
+            <a:r>
+              <a:rPr lang="en-US" b="0" i="0" dirty="0">
+                <a:effectLst/>
+                <a:latin typeface="Inter"/>
+              </a:rPr>
+              <a:t>we can conclude from here that most busy year is 2016</a:t>
+            </a:r>
+            <a:r>
+              <a:rPr lang="en-US" b="0" i="0" dirty="0">
+                <a:solidFill>
+                  <a:srgbClr val="212121"/>
                 </a:solidFill>
                 <a:effectLst/>
                 <a:latin typeface="Roboto" panose="02000000000000000000" pitchFamily="2" charset="0"/>
               </a:rPr>
-              <a:t>Which months are having most expensive hotels?</a:t>
+              <a:t>, </a:t>
             </a:r>
-            <a:endParaRPr lang="en-US" dirty="0">
-              <a:solidFill>
-                <a:schemeClr val="tx1"/>
-              </a:solidFill>
-            </a:endParaRPr>
+            <a:r>
+              <a:rPr lang="en-US" dirty="0">
+                <a:solidFill>
+                  <a:srgbClr val="212121"/>
+                </a:solidFill>
+                <a:latin typeface="Roboto" panose="02000000000000000000" pitchFamily="2" charset="0"/>
+              </a:rPr>
+              <a:t>J</a:t>
+            </a:r>
+            <a:r>
+              <a:rPr lang="en-US" b="0" i="0" dirty="0">
+                <a:solidFill>
+                  <a:srgbClr val="212121"/>
+                </a:solidFill>
+                <a:effectLst/>
+                <a:latin typeface="Roboto" panose="02000000000000000000" pitchFamily="2" charset="0"/>
+              </a:rPr>
+              <a:t>uly, </a:t>
+            </a:r>
+            <a:r>
+              <a:rPr lang="en-US" dirty="0">
+                <a:solidFill>
+                  <a:srgbClr val="212121"/>
+                </a:solidFill>
+                <a:latin typeface="Roboto" panose="02000000000000000000" pitchFamily="2" charset="0"/>
+              </a:rPr>
+              <a:t>J</a:t>
+            </a:r>
+            <a:r>
+              <a:rPr lang="en-US" b="0" i="0" dirty="0">
+                <a:solidFill>
+                  <a:srgbClr val="212121"/>
+                </a:solidFill>
+                <a:effectLst/>
+                <a:latin typeface="Roboto" panose="02000000000000000000" pitchFamily="2" charset="0"/>
+              </a:rPr>
+              <a:t>une and may.</a:t>
+            </a:r>
+          </a:p>
+          <a:p>
+            <a:endParaRPr lang="en-IN" dirty="0"/>
           </a:p>
         </p:txBody>
       </p:sp>
       <p:pic>
         <p:nvPicPr>
-          <p:cNvPr id="1028" name="Picture 4">
+          <p:cNvPr id="1026" name="Picture 2">
             <a:extLst>
               <a:ext uri="{FF2B5EF4-FFF2-40B4-BE49-F238E27FC236}">
-                <a16:creationId xmlns:a16="http://schemas.microsoft.com/office/drawing/2014/main" id="{ACBEB11C-A18B-031A-CA94-7B15F226AEAE}"/>
+                <a16:creationId xmlns:a16="http://schemas.microsoft.com/office/drawing/2014/main" id="{AB639E37-D01F-8FEC-F334-ED68644E3B68}"/>
               </a:ext>
             </a:extLst>
           </p:cNvPr>
@@ -17466,8 +17569,8 @@
         </p:blipFill>
         <p:spPr bwMode="auto">
           <a:xfrm>
-            <a:off x="3179213" y="796745"/>
-            <a:ext cx="5653087" cy="2908642"/>
+            <a:off x="4716780" y="897255"/>
+            <a:ext cx="3589020" cy="3348990"/>
           </a:xfrm>
           <a:prstGeom prst="rect">
             <a:avLst/>
@@ -17484,159 +17587,742 @@
           </a:extLst>
         </p:spPr>
       </p:pic>
-      <p:sp>
-        <p:nvSpPr>
-          <p:cNvPr id="4" name="TextBox 3">
+      <p:graphicFrame>
+        <p:nvGraphicFramePr>
+          <p:cNvPr id="3" name="Table 2">
             <a:extLst>
               <a:ext uri="{FF2B5EF4-FFF2-40B4-BE49-F238E27FC236}">
-                <a16:creationId xmlns:a16="http://schemas.microsoft.com/office/drawing/2014/main" id="{C52C78B6-5346-3CF3-7AF0-01EBFDBA0A2B}"/>
+                <a16:creationId xmlns:a16="http://schemas.microsoft.com/office/drawing/2014/main" id="{75D91164-B463-7FD3-64FA-E5D2CE480894}"/>
               </a:ext>
             </a:extLst>
           </p:cNvPr>
-          <p:cNvSpPr txBox="1"/>
-          <p:nvPr/>
-        </p:nvSpPr>
-        <p:spPr>
-          <a:xfrm>
-            <a:off x="510540" y="1310640"/>
-            <a:ext cx="2529840" cy="2246769"/>
-          </a:xfrm>
-          <a:prstGeom prst="rect">
-            <a:avLst/>
-          </a:prstGeom>
-          <a:noFill/>
-        </p:spPr>
-        <p:txBody>
-          <a:bodyPr wrap="square" rtlCol="0">
-            <a:spAutoFit/>
-          </a:bodyPr>
-          <a:lstStyle/>
-          <a:p>
-            <a:pPr marL="285750" indent="-285750" algn="l">
-              <a:buFont typeface="Wingdings" panose="05000000000000000000" pitchFamily="2" charset="2"/>
-              <a:buChar char="§"/>
-            </a:pPr>
-            <a:r>
-              <a:rPr lang="en-US" b="0" i="0" dirty="0">
-                <a:solidFill>
-                  <a:srgbClr val="212121"/>
-                </a:solidFill>
-                <a:effectLst/>
-                <a:latin typeface="Roboto" panose="02000000000000000000" pitchFamily="2" charset="0"/>
-              </a:rPr>
-              <a:t>For resort hotels, the average daily rate is more expensive during august, </a:t>
-            </a:r>
-            <a:r>
-              <a:rPr lang="en-US" dirty="0">
-                <a:solidFill>
-                  <a:srgbClr val="212121"/>
-                </a:solidFill>
-                <a:latin typeface="Roboto" panose="02000000000000000000" pitchFamily="2" charset="0"/>
-              </a:rPr>
-              <a:t>Ju</a:t>
-            </a:r>
-            <a:r>
-              <a:rPr lang="en-US" b="0" i="0" dirty="0">
-                <a:solidFill>
-                  <a:srgbClr val="212121"/>
-                </a:solidFill>
-                <a:effectLst/>
-                <a:latin typeface="Roboto" panose="02000000000000000000" pitchFamily="2" charset="0"/>
-              </a:rPr>
-              <a:t>ly and </a:t>
-            </a:r>
-            <a:r>
-              <a:rPr lang="en-US" dirty="0">
-                <a:solidFill>
-                  <a:srgbClr val="212121"/>
-                </a:solidFill>
-                <a:latin typeface="Roboto" panose="02000000000000000000" pitchFamily="2" charset="0"/>
-              </a:rPr>
-              <a:t>S</a:t>
-            </a:r>
-            <a:r>
-              <a:rPr lang="en-US" b="0" i="0" dirty="0">
-                <a:solidFill>
-                  <a:srgbClr val="212121"/>
-                </a:solidFill>
-                <a:effectLst/>
-                <a:latin typeface="Roboto" panose="02000000000000000000" pitchFamily="2" charset="0"/>
-              </a:rPr>
-              <a:t>eptember.</a:t>
-            </a:r>
-          </a:p>
-          <a:p>
-            <a:pPr marL="285750" indent="-285750" algn="l">
-              <a:buFont typeface="Wingdings" panose="05000000000000000000" pitchFamily="2" charset="2"/>
-              <a:buChar char="§"/>
-            </a:pPr>
-            <a:endParaRPr lang="en-US" b="0" i="0" dirty="0">
-              <a:solidFill>
-                <a:srgbClr val="212121"/>
-              </a:solidFill>
-              <a:effectLst/>
-              <a:latin typeface="Roboto" panose="02000000000000000000" pitchFamily="2" charset="0"/>
-            </a:endParaRPr>
-          </a:p>
-          <a:p>
-            <a:pPr marL="285750" indent="-285750" algn="l">
-              <a:buFont typeface="Wingdings" panose="05000000000000000000" pitchFamily="2" charset="2"/>
-              <a:buChar char="§"/>
-            </a:pPr>
-            <a:r>
-              <a:rPr lang="en-US" b="0" i="0" dirty="0">
-                <a:solidFill>
-                  <a:srgbClr val="212121"/>
-                </a:solidFill>
-                <a:effectLst/>
-                <a:latin typeface="Roboto" panose="02000000000000000000" pitchFamily="2" charset="0"/>
-              </a:rPr>
-              <a:t>For city hotels, the average daily rate is more expensive during august, </a:t>
-            </a:r>
-            <a:r>
-              <a:rPr lang="en-US" dirty="0">
-                <a:solidFill>
-                  <a:srgbClr val="212121"/>
-                </a:solidFill>
-                <a:latin typeface="Roboto" panose="02000000000000000000" pitchFamily="2" charset="0"/>
-              </a:rPr>
-              <a:t>J</a:t>
-            </a:r>
-            <a:r>
-              <a:rPr lang="en-US" b="0" i="0" dirty="0">
-                <a:solidFill>
-                  <a:srgbClr val="212121"/>
-                </a:solidFill>
-                <a:effectLst/>
-                <a:latin typeface="Roboto" panose="02000000000000000000" pitchFamily="2" charset="0"/>
-              </a:rPr>
-              <a:t>uly, </a:t>
-            </a:r>
-            <a:r>
-              <a:rPr lang="en-US" dirty="0">
-                <a:solidFill>
-                  <a:srgbClr val="212121"/>
-                </a:solidFill>
-                <a:latin typeface="Roboto" panose="02000000000000000000" pitchFamily="2" charset="0"/>
-              </a:rPr>
-              <a:t>J</a:t>
-            </a:r>
-            <a:r>
-              <a:rPr lang="en-US" b="0" i="0" dirty="0">
-                <a:solidFill>
-                  <a:srgbClr val="212121"/>
-                </a:solidFill>
-                <a:effectLst/>
-                <a:latin typeface="Roboto" panose="02000000000000000000" pitchFamily="2" charset="0"/>
-              </a:rPr>
-              <a:t>une and may.</a:t>
-            </a:r>
-          </a:p>
-          <a:p>
-            <a:endParaRPr lang="en-IN" dirty="0"/>
-          </a:p>
-        </p:txBody>
-      </p:sp>
+          <p:cNvGraphicFramePr>
+            <a:graphicFrameLocks noGrp="1"/>
+          </p:cNvGraphicFramePr>
+          <p:nvPr>
+            <p:extLst>
+              <p:ext uri="{D42A27DB-BD31-4B8C-83A1-F6EECF244321}">
+                <p14:modId xmlns:p14="http://schemas.microsoft.com/office/powerpoint/2010/main" val="23462569"/>
+              </p:ext>
+            </p:extLst>
+          </p:nvPr>
+        </p:nvGraphicFramePr>
+        <p:xfrm>
+          <a:off x="402591" y="1077595"/>
+          <a:ext cx="3589021" cy="2346960"/>
+        </p:xfrm>
+        <a:graphic>
+          <a:graphicData uri="http://schemas.openxmlformats.org/drawingml/2006/table">
+            <a:tbl>
+              <a:tblPr/>
+              <a:tblGrid>
+                <a:gridCol w="1187961">
+                  <a:extLst>
+                    <a:ext uri="{9D8B030D-6E8A-4147-A177-3AD203B41FA5}">
+                      <a16:colId xmlns:a16="http://schemas.microsoft.com/office/drawing/2014/main" val="3378440813"/>
+                    </a:ext>
+                  </a:extLst>
+                </a:gridCol>
+                <a:gridCol w="1204720">
+                  <a:extLst>
+                    <a:ext uri="{9D8B030D-6E8A-4147-A177-3AD203B41FA5}">
+                      <a16:colId xmlns:a16="http://schemas.microsoft.com/office/drawing/2014/main" val="136616534"/>
+                    </a:ext>
+                  </a:extLst>
+                </a:gridCol>
+                <a:gridCol w="1196340">
+                  <a:extLst>
+                    <a:ext uri="{9D8B030D-6E8A-4147-A177-3AD203B41FA5}">
+                      <a16:colId xmlns:a16="http://schemas.microsoft.com/office/drawing/2014/main" val="2591970102"/>
+                    </a:ext>
+                  </a:extLst>
+                </a:gridCol>
+              </a:tblGrid>
+              <a:tr h="304800">
+                <a:tc>
+                  <a:txBody>
+                    <a:bodyPr/>
+                    <a:lstStyle/>
+                    <a:p>
+                      <a:pPr algn="r"/>
+                      <a:r>
+                        <a:rPr lang="en-IN" sz="1400" b="1">
+                          <a:solidFill>
+                            <a:schemeClr val="accent2">
+                              <a:lumMod val="75000"/>
+                              <a:lumOff val="25000"/>
+                            </a:schemeClr>
+                          </a:solidFill>
+                          <a:effectLst/>
+                        </a:rPr>
+                        <a:t>hotel</a:t>
+                      </a:r>
+                    </a:p>
+                  </a:txBody>
+                  <a:tcPr anchor="ctr">
+                    <a:lnL>
+                      <a:noFill/>
+                    </a:lnL>
+                    <a:lnR>
+                      <a:noFill/>
+                    </a:lnR>
+                    <a:lnT>
+                      <a:noFill/>
+                    </a:lnT>
+                    <a:lnB>
+                      <a:noFill/>
+                    </a:lnB>
+                  </a:tcPr>
+                </a:tc>
+                <a:tc>
+                  <a:txBody>
+                    <a:bodyPr/>
+                    <a:lstStyle/>
+                    <a:p>
+                      <a:pPr algn="r"/>
+                      <a:r>
+                        <a:rPr lang="en-IN" sz="1400" b="1">
+                          <a:solidFill>
+                            <a:schemeClr val="accent2">
+                              <a:lumMod val="75000"/>
+                              <a:lumOff val="25000"/>
+                            </a:schemeClr>
+                          </a:solidFill>
+                          <a:effectLst/>
+                        </a:rPr>
+                        <a:t>arrival_date_year</a:t>
+                      </a:r>
+                    </a:p>
+                  </a:txBody>
+                  <a:tcPr anchor="ctr">
+                    <a:lnL>
+                      <a:noFill/>
+                    </a:lnL>
+                    <a:lnR>
+                      <a:noFill/>
+                    </a:lnR>
+                    <a:lnT>
+                      <a:noFill/>
+                    </a:lnT>
+                    <a:lnB>
+                      <a:noFill/>
+                    </a:lnB>
+                  </a:tcPr>
+                </a:tc>
+                <a:tc>
+                  <a:txBody>
+                    <a:bodyPr/>
+                    <a:lstStyle/>
+                    <a:p>
+                      <a:pPr algn="r"/>
+                      <a:endParaRPr lang="en-IN" sz="1400" b="1" dirty="0">
+                        <a:solidFill>
+                          <a:schemeClr val="accent2">
+                            <a:lumMod val="75000"/>
+                            <a:lumOff val="25000"/>
+                          </a:schemeClr>
+                        </a:solidFill>
+                        <a:effectLst/>
+                      </a:endParaRPr>
+                    </a:p>
+                  </a:txBody>
+                  <a:tcPr anchor="ctr">
+                    <a:lnL>
+                      <a:noFill/>
+                    </a:lnL>
+                    <a:lnR>
+                      <a:noFill/>
+                    </a:lnR>
+                    <a:lnT>
+                      <a:noFill/>
+                    </a:lnT>
+                    <a:lnB>
+                      <a:noFill/>
+                    </a:lnB>
+                  </a:tcPr>
+                </a:tc>
+                <a:extLst>
+                  <a:ext uri="{0D108BD9-81ED-4DB2-BD59-A6C34878D82A}">
+                    <a16:rowId xmlns:a16="http://schemas.microsoft.com/office/drawing/2014/main" val="3135692211"/>
+                  </a:ext>
+                </a:extLst>
+              </a:tr>
+              <a:tr h="304800">
+                <a:tc rowSpan="3">
+                  <a:txBody>
+                    <a:bodyPr/>
+                    <a:lstStyle/>
+                    <a:p>
+                      <a:pPr fontAlgn="t"/>
+                      <a:r>
+                        <a:rPr lang="en-IN" sz="1400" b="1">
+                          <a:solidFill>
+                            <a:schemeClr val="accent2">
+                              <a:lumMod val="75000"/>
+                              <a:lumOff val="25000"/>
+                            </a:schemeClr>
+                          </a:solidFill>
+                          <a:effectLst/>
+                        </a:rPr>
+                        <a:t>City Hotel</a:t>
+                      </a:r>
+                    </a:p>
+                  </a:txBody>
+                  <a:tcPr>
+                    <a:lnL>
+                      <a:noFill/>
+                    </a:lnL>
+                    <a:lnR>
+                      <a:noFill/>
+                    </a:lnR>
+                    <a:lnT>
+                      <a:noFill/>
+                    </a:lnT>
+                    <a:lnB>
+                      <a:noFill/>
+                    </a:lnB>
+                  </a:tcPr>
+                </a:tc>
+                <a:tc>
+                  <a:txBody>
+                    <a:bodyPr/>
+                    <a:lstStyle/>
+                    <a:p>
+                      <a:pPr fontAlgn="t"/>
+                      <a:r>
+                        <a:rPr lang="en-IN" sz="1400" b="1">
+                          <a:solidFill>
+                            <a:schemeClr val="accent2">
+                              <a:lumMod val="75000"/>
+                              <a:lumOff val="25000"/>
+                            </a:schemeClr>
+                          </a:solidFill>
+                          <a:effectLst/>
+                        </a:rPr>
+                        <a:t>2016</a:t>
+                      </a:r>
+                    </a:p>
+                  </a:txBody>
+                  <a:tcPr>
+                    <a:lnL>
+                      <a:noFill/>
+                    </a:lnL>
+                    <a:lnR>
+                      <a:noFill/>
+                    </a:lnR>
+                    <a:lnT>
+                      <a:noFill/>
+                    </a:lnT>
+                    <a:lnB>
+                      <a:noFill/>
+                    </a:lnB>
+                  </a:tcPr>
+                </a:tc>
+                <a:tc>
+                  <a:txBody>
+                    <a:bodyPr/>
+                    <a:lstStyle/>
+                    <a:p>
+                      <a:pPr algn="r"/>
+                      <a:r>
+                        <a:rPr lang="en-IN" sz="1400">
+                          <a:solidFill>
+                            <a:schemeClr val="accent2">
+                              <a:lumMod val="75000"/>
+                              <a:lumOff val="25000"/>
+                            </a:schemeClr>
+                          </a:solidFill>
+                          <a:effectLst/>
+                        </a:rPr>
+                        <a:t>26684</a:t>
+                      </a:r>
+                    </a:p>
+                  </a:txBody>
+                  <a:tcPr anchor="ctr">
+                    <a:lnL>
+                      <a:noFill/>
+                    </a:lnL>
+                    <a:lnR>
+                      <a:noFill/>
+                    </a:lnR>
+                    <a:lnT>
+                      <a:noFill/>
+                    </a:lnT>
+                    <a:lnB>
+                      <a:noFill/>
+                    </a:lnB>
+                  </a:tcPr>
+                </a:tc>
+                <a:extLst>
+                  <a:ext uri="{0D108BD9-81ED-4DB2-BD59-A6C34878D82A}">
+                    <a16:rowId xmlns:a16="http://schemas.microsoft.com/office/drawing/2014/main" val="960920699"/>
+                  </a:ext>
+                </a:extLst>
+              </a:tr>
+              <a:tr h="304800">
+                <a:tc vMerge="1">
+                  <a:txBody>
+                    <a:bodyPr/>
+                    <a:lstStyle/>
+                    <a:p>
+                      <a:endParaRPr lang="en-IN"/>
+                    </a:p>
+                  </a:txBody>
+                  <a:tcPr/>
+                </a:tc>
+                <a:tc>
+                  <a:txBody>
+                    <a:bodyPr/>
+                    <a:lstStyle/>
+                    <a:p>
+                      <a:pPr fontAlgn="ctr"/>
+                      <a:r>
+                        <a:rPr lang="en-IN" sz="1400" b="1">
+                          <a:solidFill>
+                            <a:schemeClr val="accent2">
+                              <a:lumMod val="75000"/>
+                              <a:lumOff val="25000"/>
+                            </a:schemeClr>
+                          </a:solidFill>
+                          <a:effectLst/>
+                        </a:rPr>
+                        <a:t>2017</a:t>
+                      </a:r>
+                    </a:p>
+                  </a:txBody>
+                  <a:tcPr anchor="ctr">
+                    <a:lnL>
+                      <a:noFill/>
+                    </a:lnL>
+                    <a:lnR>
+                      <a:noFill/>
+                    </a:lnR>
+                    <a:lnT>
+                      <a:noFill/>
+                    </a:lnT>
+                    <a:lnB>
+                      <a:noFill/>
+                    </a:lnB>
+                  </a:tcPr>
+                </a:tc>
+                <a:tc>
+                  <a:txBody>
+                    <a:bodyPr/>
+                    <a:lstStyle/>
+                    <a:p>
+                      <a:pPr algn="r"/>
+                      <a:r>
+                        <a:rPr lang="en-IN" sz="1400">
+                          <a:solidFill>
+                            <a:schemeClr val="accent2">
+                              <a:lumMod val="75000"/>
+                              <a:lumOff val="25000"/>
+                            </a:schemeClr>
+                          </a:solidFill>
+                          <a:effectLst/>
+                        </a:rPr>
+                        <a:t>20064</a:t>
+                      </a:r>
+                    </a:p>
+                  </a:txBody>
+                  <a:tcPr anchor="ctr">
+                    <a:lnL>
+                      <a:noFill/>
+                    </a:lnL>
+                    <a:lnR>
+                      <a:noFill/>
+                    </a:lnR>
+                    <a:lnT>
+                      <a:noFill/>
+                    </a:lnT>
+                    <a:lnB>
+                      <a:noFill/>
+                    </a:lnB>
+                  </a:tcPr>
+                </a:tc>
+                <a:extLst>
+                  <a:ext uri="{0D108BD9-81ED-4DB2-BD59-A6C34878D82A}">
+                    <a16:rowId xmlns:a16="http://schemas.microsoft.com/office/drawing/2014/main" val="1648253424"/>
+                  </a:ext>
+                </a:extLst>
+              </a:tr>
+              <a:tr h="304800">
+                <a:tc vMerge="1">
+                  <a:txBody>
+                    <a:bodyPr/>
+                    <a:lstStyle/>
+                    <a:p>
+                      <a:endParaRPr lang="en-IN"/>
+                    </a:p>
+                  </a:txBody>
+                  <a:tcPr/>
+                </a:tc>
+                <a:tc>
+                  <a:txBody>
+                    <a:bodyPr/>
+                    <a:lstStyle/>
+                    <a:p>
+                      <a:pPr fontAlgn="ctr"/>
+                      <a:r>
+                        <a:rPr lang="en-IN" sz="1400" b="1">
+                          <a:solidFill>
+                            <a:schemeClr val="accent2">
+                              <a:lumMod val="75000"/>
+                              <a:lumOff val="25000"/>
+                            </a:schemeClr>
+                          </a:solidFill>
+                          <a:effectLst/>
+                        </a:rPr>
+                        <a:t>2015</a:t>
+                      </a:r>
+                    </a:p>
+                  </a:txBody>
+                  <a:tcPr anchor="ctr">
+                    <a:lnL>
+                      <a:noFill/>
+                    </a:lnL>
+                    <a:lnR>
+                      <a:noFill/>
+                    </a:lnR>
+                    <a:lnT>
+                      <a:noFill/>
+                    </a:lnT>
+                    <a:lnB>
+                      <a:noFill/>
+                    </a:lnB>
+                  </a:tcPr>
+                </a:tc>
+                <a:tc>
+                  <a:txBody>
+                    <a:bodyPr/>
+                    <a:lstStyle/>
+                    <a:p>
+                      <a:pPr algn="r"/>
+                      <a:r>
+                        <a:rPr lang="en-IN" sz="1400">
+                          <a:solidFill>
+                            <a:schemeClr val="accent2">
+                              <a:lumMod val="75000"/>
+                              <a:lumOff val="25000"/>
+                            </a:schemeClr>
+                          </a:solidFill>
+                          <a:effectLst/>
+                        </a:rPr>
+                        <a:t>6526</a:t>
+                      </a:r>
+                    </a:p>
+                  </a:txBody>
+                  <a:tcPr anchor="ctr">
+                    <a:lnL>
+                      <a:noFill/>
+                    </a:lnL>
+                    <a:lnR>
+                      <a:noFill/>
+                    </a:lnR>
+                    <a:lnT>
+                      <a:noFill/>
+                    </a:lnT>
+                    <a:lnB>
+                      <a:noFill/>
+                    </a:lnB>
+                  </a:tcPr>
+                </a:tc>
+                <a:extLst>
+                  <a:ext uri="{0D108BD9-81ED-4DB2-BD59-A6C34878D82A}">
+                    <a16:rowId xmlns:a16="http://schemas.microsoft.com/office/drawing/2014/main" val="4075053994"/>
+                  </a:ext>
+                </a:extLst>
+              </a:tr>
+              <a:tr h="304800">
+                <a:tc rowSpan="3">
+                  <a:txBody>
+                    <a:bodyPr/>
+                    <a:lstStyle/>
+                    <a:p>
+                      <a:pPr fontAlgn="t"/>
+                      <a:r>
+                        <a:rPr lang="en-IN" sz="1400" b="1">
+                          <a:solidFill>
+                            <a:schemeClr val="accent2">
+                              <a:lumMod val="75000"/>
+                              <a:lumOff val="25000"/>
+                            </a:schemeClr>
+                          </a:solidFill>
+                          <a:effectLst/>
+                        </a:rPr>
+                        <a:t>Resort Hotel</a:t>
+                      </a:r>
+                    </a:p>
+                  </a:txBody>
+                  <a:tcPr>
+                    <a:lnL>
+                      <a:noFill/>
+                    </a:lnL>
+                    <a:lnR>
+                      <a:noFill/>
+                    </a:lnR>
+                    <a:lnT>
+                      <a:noFill/>
+                    </a:lnT>
+                    <a:lnB>
+                      <a:noFill/>
+                    </a:lnB>
+                  </a:tcPr>
+                </a:tc>
+                <a:tc>
+                  <a:txBody>
+                    <a:bodyPr/>
+                    <a:lstStyle/>
+                    <a:p>
+                      <a:pPr fontAlgn="t"/>
+                      <a:r>
+                        <a:rPr lang="en-IN" sz="1400" b="1">
+                          <a:solidFill>
+                            <a:schemeClr val="accent2">
+                              <a:lumMod val="75000"/>
+                              <a:lumOff val="25000"/>
+                            </a:schemeClr>
+                          </a:solidFill>
+                          <a:effectLst/>
+                        </a:rPr>
+                        <a:t>2016</a:t>
+                      </a:r>
+                    </a:p>
+                  </a:txBody>
+                  <a:tcPr>
+                    <a:lnL>
+                      <a:noFill/>
+                    </a:lnL>
+                    <a:lnR>
+                      <a:noFill/>
+                    </a:lnR>
+                    <a:lnT>
+                      <a:noFill/>
+                    </a:lnT>
+                    <a:lnB>
+                      <a:noFill/>
+                    </a:lnB>
+                  </a:tcPr>
+                </a:tc>
+                <a:tc>
+                  <a:txBody>
+                    <a:bodyPr/>
+                    <a:lstStyle/>
+                    <a:p>
+                      <a:pPr algn="r"/>
+                      <a:r>
+                        <a:rPr lang="en-IN" sz="1400">
+                          <a:solidFill>
+                            <a:schemeClr val="accent2">
+                              <a:lumMod val="75000"/>
+                              <a:lumOff val="25000"/>
+                            </a:schemeClr>
+                          </a:solidFill>
+                          <a:effectLst/>
+                        </a:rPr>
+                        <a:t>15629</a:t>
+                      </a:r>
+                    </a:p>
+                  </a:txBody>
+                  <a:tcPr anchor="ctr">
+                    <a:lnL>
+                      <a:noFill/>
+                    </a:lnL>
+                    <a:lnR>
+                      <a:noFill/>
+                    </a:lnR>
+                    <a:lnT>
+                      <a:noFill/>
+                    </a:lnT>
+                    <a:lnB>
+                      <a:noFill/>
+                    </a:lnB>
+                  </a:tcPr>
+                </a:tc>
+                <a:extLst>
+                  <a:ext uri="{0D108BD9-81ED-4DB2-BD59-A6C34878D82A}">
+                    <a16:rowId xmlns:a16="http://schemas.microsoft.com/office/drawing/2014/main" val="772572905"/>
+                  </a:ext>
+                </a:extLst>
+              </a:tr>
+              <a:tr h="304800">
+                <a:tc vMerge="1">
+                  <a:txBody>
+                    <a:bodyPr/>
+                    <a:lstStyle/>
+                    <a:p>
+                      <a:endParaRPr lang="en-IN"/>
+                    </a:p>
+                  </a:txBody>
+                  <a:tcPr/>
+                </a:tc>
+                <a:tc>
+                  <a:txBody>
+                    <a:bodyPr/>
+                    <a:lstStyle/>
+                    <a:p>
+                      <a:pPr fontAlgn="ctr"/>
+                      <a:r>
+                        <a:rPr lang="en-IN" sz="1400" b="1">
+                          <a:solidFill>
+                            <a:schemeClr val="accent2">
+                              <a:lumMod val="75000"/>
+                              <a:lumOff val="25000"/>
+                            </a:schemeClr>
+                          </a:solidFill>
+                          <a:effectLst/>
+                        </a:rPr>
+                        <a:t>2017</a:t>
+                      </a:r>
+                    </a:p>
+                  </a:txBody>
+                  <a:tcPr anchor="ctr">
+                    <a:lnL>
+                      <a:noFill/>
+                    </a:lnL>
+                    <a:lnR>
+                      <a:noFill/>
+                    </a:lnR>
+                    <a:lnT>
+                      <a:noFill/>
+                    </a:lnT>
+                    <a:lnB>
+                      <a:noFill/>
+                    </a:lnB>
+                  </a:tcPr>
+                </a:tc>
+                <a:tc>
+                  <a:txBody>
+                    <a:bodyPr/>
+                    <a:lstStyle/>
+                    <a:p>
+                      <a:pPr algn="r"/>
+                      <a:r>
+                        <a:rPr lang="en-IN" sz="1400">
+                          <a:solidFill>
+                            <a:schemeClr val="accent2">
+                              <a:lumMod val="75000"/>
+                              <a:lumOff val="25000"/>
+                            </a:schemeClr>
+                          </a:solidFill>
+                          <a:effectLst/>
+                        </a:rPr>
+                        <a:t>11569</a:t>
+                      </a:r>
+                    </a:p>
+                  </a:txBody>
+                  <a:tcPr anchor="ctr">
+                    <a:lnL>
+                      <a:noFill/>
+                    </a:lnL>
+                    <a:lnR>
+                      <a:noFill/>
+                    </a:lnR>
+                    <a:lnT>
+                      <a:noFill/>
+                    </a:lnT>
+                    <a:lnB>
+                      <a:noFill/>
+                    </a:lnB>
+                  </a:tcPr>
+                </a:tc>
+                <a:extLst>
+                  <a:ext uri="{0D108BD9-81ED-4DB2-BD59-A6C34878D82A}">
+                    <a16:rowId xmlns:a16="http://schemas.microsoft.com/office/drawing/2014/main" val="3438536521"/>
+                  </a:ext>
+                </a:extLst>
+              </a:tr>
+              <a:tr h="304800">
+                <a:tc vMerge="1">
+                  <a:txBody>
+                    <a:bodyPr/>
+                    <a:lstStyle/>
+                    <a:p>
+                      <a:endParaRPr lang="en-IN"/>
+                    </a:p>
+                  </a:txBody>
+                  <a:tcPr/>
+                </a:tc>
+                <a:tc>
+                  <a:txBody>
+                    <a:bodyPr/>
+                    <a:lstStyle/>
+                    <a:p>
+                      <a:pPr fontAlgn="ctr"/>
+                      <a:r>
+                        <a:rPr lang="en-IN" sz="1400" b="1">
+                          <a:solidFill>
+                            <a:schemeClr val="accent2">
+                              <a:lumMod val="75000"/>
+                              <a:lumOff val="25000"/>
+                            </a:schemeClr>
+                          </a:solidFill>
+                          <a:effectLst/>
+                        </a:rPr>
+                        <a:t>2015</a:t>
+                      </a:r>
+                    </a:p>
+                  </a:txBody>
+                  <a:tcPr anchor="ctr">
+                    <a:lnL>
+                      <a:noFill/>
+                    </a:lnL>
+                    <a:lnR>
+                      <a:noFill/>
+                    </a:lnR>
+                    <a:lnT>
+                      <a:noFill/>
+                    </a:lnT>
+                    <a:lnB>
+                      <a:noFill/>
+                    </a:lnB>
+                  </a:tcPr>
+                </a:tc>
+                <a:tc>
+                  <a:txBody>
+                    <a:bodyPr/>
+                    <a:lstStyle/>
+                    <a:p>
+                      <a:pPr algn="r"/>
+                      <a:r>
+                        <a:rPr lang="en-IN" sz="1400" dirty="0">
+                          <a:solidFill>
+                            <a:schemeClr val="accent2">
+                              <a:lumMod val="75000"/>
+                              <a:lumOff val="25000"/>
+                            </a:schemeClr>
+                          </a:solidFill>
+                          <a:effectLst/>
+                        </a:rPr>
+                        <a:t>6758</a:t>
+                      </a:r>
+                    </a:p>
+                  </a:txBody>
+                  <a:tcPr anchor="ctr">
+                    <a:lnL>
+                      <a:noFill/>
+                    </a:lnL>
+                    <a:lnR>
+                      <a:noFill/>
+                    </a:lnR>
+                    <a:lnT>
+                      <a:noFill/>
+                    </a:lnT>
+                    <a:lnB>
+                      <a:noFill/>
+                    </a:lnB>
+                  </a:tcPr>
+                </a:tc>
+                <a:extLst>
+                  <a:ext uri="{0D108BD9-81ED-4DB2-BD59-A6C34878D82A}">
+                    <a16:rowId xmlns:a16="http://schemas.microsoft.com/office/drawing/2014/main" val="2464033385"/>
+                  </a:ext>
+                </a:extLst>
+              </a:tr>
+            </a:tbl>
+          </a:graphicData>
+        </a:graphic>
+      </p:graphicFrame>
     </p:spTree>
   </p:cSld>
   <p:clrMapOvr>
@@ -19450,7 +20136,7 @@
                   </a:schemeClr>
                 </a:solidFill>
               </a:rPr>
-              <a:t>August Month 13877 is high confirmed booking hotel. </a:t>
+              <a:t>August Month 13877 is highest confirmed booking hotel. </a:t>
             </a:r>
           </a:p>
           <a:p>
@@ -19797,7 +20483,7 @@
           <a:p>
             <a:r>
               <a:rPr lang="en-US" dirty="0"/>
-              <a:t>Which month get most visitors?</a:t>
+              <a:t>Which market segment  get most visitors?</a:t>
             </a:r>
             <a:br>
               <a:rPr lang="en-US" dirty="0"/>
